--- a/實驗四/presentation/實驗四_第二組_葉彥辰_郭亮佑_蘇昱嘉.pptx
+++ b/實驗四/presentation/實驗四_第二組_葉彥辰_郭亮佑_蘇昱嘉.pptx
@@ -510,7 +510,7 @@
           <a:p>
             <a:fld id="{57D05ABF-D590-45D6-9362-AC05D4E152AF}" type="datetimeFigureOut">
               <a:rPr lang="zh-TW" altLang="en-US" smtClean="0"/>
-              <a:t>2025/3/21</a:t>
+              <a:t>2025/3/23</a:t>
             </a:fld>
             <a:endParaRPr lang="zh-TW" altLang="en-US"/>
           </a:p>
@@ -924,7 +924,7 @@
           <a:p>
             <a:fld id="{A6CAA258-0090-479D-81AE-6C5E423E63D8}" type="datetimeFigureOut">
               <a:rPr lang="zh-TW" altLang="en-US" smtClean="0"/>
-              <a:t>2025/3/21</a:t>
+              <a:t>2025/3/23</a:t>
             </a:fld>
             <a:endParaRPr lang="zh-TW" altLang="en-US"/>
           </a:p>
@@ -1122,7 +1122,7 @@
           <a:p>
             <a:fld id="{A6CAA258-0090-479D-81AE-6C5E423E63D8}" type="datetimeFigureOut">
               <a:rPr lang="zh-TW" altLang="en-US" smtClean="0"/>
-              <a:t>2025/3/21</a:t>
+              <a:t>2025/3/23</a:t>
             </a:fld>
             <a:endParaRPr lang="zh-TW" altLang="en-US"/>
           </a:p>
@@ -1330,7 +1330,7 @@
           <a:p>
             <a:fld id="{A6CAA258-0090-479D-81AE-6C5E423E63D8}" type="datetimeFigureOut">
               <a:rPr lang="zh-TW" altLang="en-US" smtClean="0"/>
-              <a:t>2025/3/21</a:t>
+              <a:t>2025/3/23</a:t>
             </a:fld>
             <a:endParaRPr lang="zh-TW" altLang="en-US"/>
           </a:p>
@@ -1528,7 +1528,7 @@
           <a:p>
             <a:fld id="{A6CAA258-0090-479D-81AE-6C5E423E63D8}" type="datetimeFigureOut">
               <a:rPr lang="zh-TW" altLang="en-US" smtClean="0"/>
-              <a:t>2025/3/21</a:t>
+              <a:t>2025/3/23</a:t>
             </a:fld>
             <a:endParaRPr lang="zh-TW" altLang="en-US"/>
           </a:p>
@@ -1803,7 +1803,7 @@
           <a:p>
             <a:fld id="{A6CAA258-0090-479D-81AE-6C5E423E63D8}" type="datetimeFigureOut">
               <a:rPr lang="zh-TW" altLang="en-US" smtClean="0"/>
-              <a:t>2025/3/21</a:t>
+              <a:t>2025/3/23</a:t>
             </a:fld>
             <a:endParaRPr lang="zh-TW" altLang="en-US"/>
           </a:p>
@@ -2068,7 +2068,7 @@
           <a:p>
             <a:fld id="{A6CAA258-0090-479D-81AE-6C5E423E63D8}" type="datetimeFigureOut">
               <a:rPr lang="zh-TW" altLang="en-US" smtClean="0"/>
-              <a:t>2025/3/21</a:t>
+              <a:t>2025/3/23</a:t>
             </a:fld>
             <a:endParaRPr lang="zh-TW" altLang="en-US"/>
           </a:p>
@@ -2480,7 +2480,7 @@
           <a:p>
             <a:fld id="{A6CAA258-0090-479D-81AE-6C5E423E63D8}" type="datetimeFigureOut">
               <a:rPr lang="zh-TW" altLang="en-US" smtClean="0"/>
-              <a:t>2025/3/21</a:t>
+              <a:t>2025/3/23</a:t>
             </a:fld>
             <a:endParaRPr lang="zh-TW" altLang="en-US"/>
           </a:p>
@@ -2621,7 +2621,7 @@
           <a:p>
             <a:fld id="{A6CAA258-0090-479D-81AE-6C5E423E63D8}" type="datetimeFigureOut">
               <a:rPr lang="zh-TW" altLang="en-US" smtClean="0"/>
-              <a:t>2025/3/21</a:t>
+              <a:t>2025/3/23</a:t>
             </a:fld>
             <a:endParaRPr lang="zh-TW" altLang="en-US"/>
           </a:p>
@@ -2734,7 +2734,7 @@
           <a:p>
             <a:fld id="{A6CAA258-0090-479D-81AE-6C5E423E63D8}" type="datetimeFigureOut">
               <a:rPr lang="zh-TW" altLang="en-US" smtClean="0"/>
-              <a:t>2025/3/21</a:t>
+              <a:t>2025/3/23</a:t>
             </a:fld>
             <a:endParaRPr lang="zh-TW" altLang="en-US"/>
           </a:p>
@@ -3045,7 +3045,7 @@
           <a:p>
             <a:fld id="{A6CAA258-0090-479D-81AE-6C5E423E63D8}" type="datetimeFigureOut">
               <a:rPr lang="zh-TW" altLang="en-US" smtClean="0"/>
-              <a:t>2025/3/21</a:t>
+              <a:t>2025/3/23</a:t>
             </a:fld>
             <a:endParaRPr lang="zh-TW" altLang="en-US"/>
           </a:p>
@@ -3333,7 +3333,7 @@
           <a:p>
             <a:fld id="{A6CAA258-0090-479D-81AE-6C5E423E63D8}" type="datetimeFigureOut">
               <a:rPr lang="zh-TW" altLang="en-US" smtClean="0"/>
-              <a:t>2025/3/21</a:t>
+              <a:t>2025/3/23</a:t>
             </a:fld>
             <a:endParaRPr lang="zh-TW" altLang="en-US"/>
           </a:p>
@@ -3574,7 +3574,7 @@
           <a:p>
             <a:fld id="{A6CAA258-0090-479D-81AE-6C5E423E63D8}" type="datetimeFigureOut">
               <a:rPr lang="zh-TW" altLang="en-US" smtClean="0"/>
-              <a:t>2025/3/21</a:t>
+              <a:t>2025/3/23</a:t>
             </a:fld>
             <a:endParaRPr lang="zh-TW" altLang="en-US"/>
           </a:p>
@@ -4007,10 +4007,9 @@
           <a:lstStyle/>
           <a:p>
             <a:r>
-              <a:rPr lang="zh-TW" altLang="en-US" dirty="0" smtClean="0"/>
+              <a:rPr lang="zh-TW" altLang="en-US" dirty="0"/>
               <a:t>實驗四</a:t>
             </a:r>
-            <a:endParaRPr lang="zh-TW" altLang="en-US" dirty="0"/>
           </a:p>
         </p:txBody>
       </p:sp>
@@ -4090,25 +4089,18 @@
           <a:lstStyle/>
           <a:p>
             <a:r>
-              <a:rPr lang="zh-TW" altLang="en-US" dirty="0" smtClean="0">
+              <a:rPr lang="zh-TW" altLang="en-US" dirty="0">
                 <a:latin typeface="標楷體" panose="03000509000000000000" pitchFamily="65" charset="-120"/>
                 <a:ea typeface="標楷體" panose="03000509000000000000" pitchFamily="65" charset="-120"/>
               </a:rPr>
               <a:t>實驗</a:t>
             </a:r>
             <a:r>
-              <a:rPr lang="en-US" altLang="zh-TW" dirty="0" smtClean="0">
-                <a:latin typeface="標楷體" panose="03000509000000000000" pitchFamily="65" charset="-120"/>
-                <a:ea typeface="標楷體" panose="03000509000000000000" pitchFamily="65" charset="-120"/>
-              </a:rPr>
-              <a:t>4</a:t>
-            </a:r>
-            <a:r>
-              <a:rPr lang="en-US" altLang="zh-TW" dirty="0" smtClean="0">
-                <a:latin typeface="標楷體" panose="03000509000000000000" pitchFamily="65" charset="-120"/>
-                <a:ea typeface="標楷體" panose="03000509000000000000" pitchFamily="65" charset="-120"/>
-              </a:rPr>
-              <a:t>-2</a:t>
+              <a:rPr lang="en-US" altLang="zh-TW" dirty="0">
+                <a:latin typeface="標楷體" panose="03000509000000000000" pitchFamily="65" charset="-120"/>
+                <a:ea typeface="標楷體" panose="03000509000000000000" pitchFamily="65" charset="-120"/>
+              </a:rPr>
+              <a:t>4-2</a:t>
             </a:r>
             <a:endParaRPr lang="zh-TW" altLang="en-US" dirty="0">
               <a:latin typeface="標楷體" panose="03000509000000000000" pitchFamily="65" charset="-120"/>
@@ -4187,49 +4179,42 @@
           <a:lstStyle/>
           <a:p>
             <a:r>
-              <a:rPr lang="zh-TW" altLang="en-US" dirty="0" smtClean="0">
+              <a:rPr lang="zh-TW" altLang="en-US" dirty="0">
                 <a:latin typeface="標楷體" panose="03000509000000000000" pitchFamily="65" charset="-120"/>
                 <a:ea typeface="標楷體" panose="03000509000000000000" pitchFamily="65" charset="-120"/>
               </a:rPr>
               <a:t>實驗</a:t>
             </a:r>
             <a:r>
-              <a:rPr lang="en-US" altLang="zh-TW" dirty="0" smtClean="0">
-                <a:latin typeface="標楷體" panose="03000509000000000000" pitchFamily="65" charset="-120"/>
-                <a:ea typeface="標楷體" panose="03000509000000000000" pitchFamily="65" charset="-120"/>
-              </a:rPr>
-              <a:t>4</a:t>
-            </a:r>
-            <a:r>
-              <a:rPr lang="en-US" altLang="zh-TW" dirty="0" smtClean="0">
-                <a:latin typeface="標楷體" panose="03000509000000000000" pitchFamily="65" charset="-120"/>
-                <a:ea typeface="標楷體" panose="03000509000000000000" pitchFamily="65" charset="-120"/>
-              </a:rPr>
-              <a:t>-2</a:t>
-            </a:r>
-            <a:r>
-              <a:rPr lang="zh-TW" altLang="en-US" dirty="0" smtClean="0">
+              <a:rPr lang="en-US" altLang="zh-TW" dirty="0">
+                <a:latin typeface="標楷體" panose="03000509000000000000" pitchFamily="65" charset="-120"/>
+                <a:ea typeface="標楷體" panose="03000509000000000000" pitchFamily="65" charset="-120"/>
+              </a:rPr>
+              <a:t>4-2</a:t>
+            </a:r>
+            <a:r>
+              <a:rPr lang="zh-TW" altLang="en-US" dirty="0">
                 <a:latin typeface="標楷體" panose="03000509000000000000" pitchFamily="65" charset="-120"/>
                 <a:ea typeface="標楷體" panose="03000509000000000000" pitchFamily="65" charset="-120"/>
               </a:rPr>
               <a:t> </a:t>
             </a:r>
             <a:r>
-              <a:rPr lang="en-US" altLang="zh-TW" dirty="0" smtClean="0">
+              <a:rPr lang="en-US" altLang="zh-TW" dirty="0">
                 <a:latin typeface="標楷體" panose="03000509000000000000" pitchFamily="65" charset="-120"/>
                 <a:ea typeface="標楷體" panose="03000509000000000000" pitchFamily="65" charset="-120"/>
               </a:rPr>
               <a:t>(50%</a:t>
             </a:r>
             <a:r>
-              <a:rPr lang="zh-TW" altLang="en-US" dirty="0" smtClean="0">
+              <a:rPr lang="zh-TW" altLang="en-US" dirty="0">
                 <a:latin typeface="標楷體" panose="03000509000000000000" pitchFamily="65" charset="-120"/>
                 <a:ea typeface="標楷體" panose="03000509000000000000" pitchFamily="65" charset="-120"/>
               </a:rPr>
               <a:t> 模擬</a:t>
             </a:r>
             <a:r>
-              <a:rPr lang="en-US" altLang="zh-TW" dirty="0" smtClean="0">
+              <a:rPr lang="en-US" altLang="zh-TW" dirty="0">
                 <a:latin typeface="標楷體" panose="03000509000000000000" pitchFamily="65" charset="-120"/>
                 <a:ea typeface="標楷體" panose="03000509000000000000" pitchFamily="65" charset="-120"/>
               </a:rPr>
@@ -4402,49 +4387,42 @@
           <a:lstStyle/>
           <a:p>
             <a:r>
-              <a:rPr lang="zh-TW" altLang="en-US" dirty="0" smtClean="0">
+              <a:rPr lang="zh-TW" altLang="en-US" dirty="0">
                 <a:latin typeface="標楷體" panose="03000509000000000000" pitchFamily="65" charset="-120"/>
                 <a:ea typeface="標楷體" panose="03000509000000000000" pitchFamily="65" charset="-120"/>
               </a:rPr>
               <a:t>實驗</a:t>
             </a:r>
             <a:r>
-              <a:rPr lang="en-US" altLang="zh-TW" dirty="0" smtClean="0">
-                <a:latin typeface="標楷體" panose="03000509000000000000" pitchFamily="65" charset="-120"/>
-                <a:ea typeface="標楷體" panose="03000509000000000000" pitchFamily="65" charset="-120"/>
-              </a:rPr>
-              <a:t>4</a:t>
-            </a:r>
-            <a:r>
-              <a:rPr lang="en-US" altLang="zh-TW" dirty="0" smtClean="0">
-                <a:latin typeface="標楷體" panose="03000509000000000000" pitchFamily="65" charset="-120"/>
-                <a:ea typeface="標楷體" panose="03000509000000000000" pitchFamily="65" charset="-120"/>
-              </a:rPr>
-              <a:t>-2</a:t>
-            </a:r>
-            <a:r>
-              <a:rPr lang="zh-TW" altLang="en-US" dirty="0" smtClean="0">
+              <a:rPr lang="en-US" altLang="zh-TW" dirty="0">
+                <a:latin typeface="標楷體" panose="03000509000000000000" pitchFamily="65" charset="-120"/>
+                <a:ea typeface="標楷體" panose="03000509000000000000" pitchFamily="65" charset="-120"/>
+              </a:rPr>
+              <a:t>4-2</a:t>
+            </a:r>
+            <a:r>
+              <a:rPr lang="zh-TW" altLang="en-US" dirty="0">
                 <a:latin typeface="標楷體" panose="03000509000000000000" pitchFamily="65" charset="-120"/>
                 <a:ea typeface="標楷體" panose="03000509000000000000" pitchFamily="65" charset="-120"/>
               </a:rPr>
               <a:t> </a:t>
             </a:r>
             <a:r>
-              <a:rPr lang="en-US" altLang="zh-TW" dirty="0" smtClean="0">
+              <a:rPr lang="en-US" altLang="zh-TW" dirty="0">
                 <a:latin typeface="標楷體" panose="03000509000000000000" pitchFamily="65" charset="-120"/>
                 <a:ea typeface="標楷體" panose="03000509000000000000" pitchFamily="65" charset="-120"/>
               </a:rPr>
               <a:t>(50%</a:t>
             </a:r>
             <a:r>
-              <a:rPr lang="zh-TW" altLang="en-US" dirty="0" smtClean="0">
+              <a:rPr lang="zh-TW" altLang="en-US" dirty="0">
                 <a:latin typeface="標楷體" panose="03000509000000000000" pitchFamily="65" charset="-120"/>
                 <a:ea typeface="標楷體" panose="03000509000000000000" pitchFamily="65" charset="-120"/>
               </a:rPr>
               <a:t> 驗證</a:t>
             </a:r>
             <a:r>
-              <a:rPr lang="en-US" altLang="zh-TW" dirty="0" smtClean="0">
+              <a:rPr lang="en-US" altLang="zh-TW" dirty="0">
                 <a:latin typeface="標楷體" panose="03000509000000000000" pitchFamily="65" charset="-120"/>
                 <a:ea typeface="標楷體" panose="03000509000000000000" pitchFamily="65" charset="-120"/>
               </a:rPr>
@@ -4557,49 +4535,42 @@
           <a:lstStyle/>
           <a:p>
             <a:r>
-              <a:rPr lang="zh-TW" altLang="en-US" dirty="0" smtClean="0">
+              <a:rPr lang="zh-TW" altLang="en-US" dirty="0">
                 <a:latin typeface="標楷體" panose="03000509000000000000" pitchFamily="65" charset="-120"/>
                 <a:ea typeface="標楷體" panose="03000509000000000000" pitchFamily="65" charset="-120"/>
               </a:rPr>
               <a:t>實驗</a:t>
             </a:r>
             <a:r>
-              <a:rPr lang="en-US" altLang="zh-TW" dirty="0" smtClean="0">
-                <a:latin typeface="標楷體" panose="03000509000000000000" pitchFamily="65" charset="-120"/>
-                <a:ea typeface="標楷體" panose="03000509000000000000" pitchFamily="65" charset="-120"/>
-              </a:rPr>
-              <a:t>4</a:t>
-            </a:r>
-            <a:r>
-              <a:rPr lang="en-US" altLang="zh-TW" dirty="0" smtClean="0">
-                <a:latin typeface="標楷體" panose="03000509000000000000" pitchFamily="65" charset="-120"/>
-                <a:ea typeface="標楷體" panose="03000509000000000000" pitchFamily="65" charset="-120"/>
-              </a:rPr>
-              <a:t>-2</a:t>
-            </a:r>
-            <a:r>
-              <a:rPr lang="zh-TW" altLang="en-US" dirty="0" smtClean="0">
+              <a:rPr lang="en-US" altLang="zh-TW" dirty="0">
+                <a:latin typeface="標楷體" panose="03000509000000000000" pitchFamily="65" charset="-120"/>
+                <a:ea typeface="標楷體" panose="03000509000000000000" pitchFamily="65" charset="-120"/>
+              </a:rPr>
+              <a:t>4-2</a:t>
+            </a:r>
+            <a:r>
+              <a:rPr lang="zh-TW" altLang="en-US" dirty="0">
                 <a:latin typeface="標楷體" panose="03000509000000000000" pitchFamily="65" charset="-120"/>
                 <a:ea typeface="標楷體" panose="03000509000000000000" pitchFamily="65" charset="-120"/>
               </a:rPr>
               <a:t> </a:t>
             </a:r>
             <a:r>
-              <a:rPr lang="en-US" altLang="zh-TW" dirty="0" smtClean="0">
+              <a:rPr lang="en-US" altLang="zh-TW" dirty="0">
                 <a:latin typeface="標楷體" panose="03000509000000000000" pitchFamily="65" charset="-120"/>
                 <a:ea typeface="標楷體" panose="03000509000000000000" pitchFamily="65" charset="-120"/>
               </a:rPr>
               <a:t>(100%</a:t>
             </a:r>
             <a:r>
-              <a:rPr lang="zh-TW" altLang="en-US" dirty="0" smtClean="0">
+              <a:rPr lang="zh-TW" altLang="en-US" dirty="0">
                 <a:latin typeface="標楷體" panose="03000509000000000000" pitchFamily="65" charset="-120"/>
                 <a:ea typeface="標楷體" panose="03000509000000000000" pitchFamily="65" charset="-120"/>
               </a:rPr>
               <a:t> 模擬</a:t>
             </a:r>
             <a:r>
-              <a:rPr lang="en-US" altLang="zh-TW" dirty="0" smtClean="0">
+              <a:rPr lang="en-US" altLang="zh-TW" dirty="0">
                 <a:latin typeface="標楷體" panose="03000509000000000000" pitchFamily="65" charset="-120"/>
                 <a:ea typeface="標楷體" panose="03000509000000000000" pitchFamily="65" charset="-120"/>
               </a:rPr>
@@ -4772,49 +4743,42 @@
           <a:lstStyle/>
           <a:p>
             <a:r>
-              <a:rPr lang="zh-TW" altLang="en-US" dirty="0" smtClean="0">
+              <a:rPr lang="zh-TW" altLang="en-US" dirty="0">
                 <a:latin typeface="標楷體" panose="03000509000000000000" pitchFamily="65" charset="-120"/>
                 <a:ea typeface="標楷體" panose="03000509000000000000" pitchFamily="65" charset="-120"/>
               </a:rPr>
               <a:t>實驗</a:t>
             </a:r>
             <a:r>
-              <a:rPr lang="en-US" altLang="zh-TW" dirty="0" smtClean="0">
-                <a:latin typeface="標楷體" panose="03000509000000000000" pitchFamily="65" charset="-120"/>
-                <a:ea typeface="標楷體" panose="03000509000000000000" pitchFamily="65" charset="-120"/>
-              </a:rPr>
-              <a:t>4</a:t>
-            </a:r>
-            <a:r>
-              <a:rPr lang="en-US" altLang="zh-TW" dirty="0" smtClean="0">
-                <a:latin typeface="標楷體" panose="03000509000000000000" pitchFamily="65" charset="-120"/>
-                <a:ea typeface="標楷體" panose="03000509000000000000" pitchFamily="65" charset="-120"/>
-              </a:rPr>
-              <a:t>-2</a:t>
-            </a:r>
-            <a:r>
-              <a:rPr lang="zh-TW" altLang="en-US" dirty="0" smtClean="0">
+              <a:rPr lang="en-US" altLang="zh-TW" dirty="0">
+                <a:latin typeface="標楷體" panose="03000509000000000000" pitchFamily="65" charset="-120"/>
+                <a:ea typeface="標楷體" panose="03000509000000000000" pitchFamily="65" charset="-120"/>
+              </a:rPr>
+              <a:t>4-2</a:t>
+            </a:r>
+            <a:r>
+              <a:rPr lang="zh-TW" altLang="en-US" dirty="0">
                 <a:latin typeface="標楷體" panose="03000509000000000000" pitchFamily="65" charset="-120"/>
                 <a:ea typeface="標楷體" panose="03000509000000000000" pitchFamily="65" charset="-120"/>
               </a:rPr>
               <a:t> </a:t>
             </a:r>
             <a:r>
-              <a:rPr lang="en-US" altLang="zh-TW" dirty="0" smtClean="0">
+              <a:rPr lang="en-US" altLang="zh-TW" dirty="0">
                 <a:latin typeface="標楷體" panose="03000509000000000000" pitchFamily="65" charset="-120"/>
                 <a:ea typeface="標楷體" panose="03000509000000000000" pitchFamily="65" charset="-120"/>
               </a:rPr>
               <a:t>(100%</a:t>
             </a:r>
             <a:r>
-              <a:rPr lang="zh-TW" altLang="en-US" dirty="0" smtClean="0">
+              <a:rPr lang="zh-TW" altLang="en-US" dirty="0">
                 <a:latin typeface="標楷體" panose="03000509000000000000" pitchFamily="65" charset="-120"/>
                 <a:ea typeface="標楷體" panose="03000509000000000000" pitchFamily="65" charset="-120"/>
               </a:rPr>
               <a:t> 驗證</a:t>
             </a:r>
             <a:r>
-              <a:rPr lang="en-US" altLang="zh-TW" dirty="0" smtClean="0">
+              <a:rPr lang="en-US" altLang="zh-TW" dirty="0">
                 <a:latin typeface="標楷體" panose="03000509000000000000" pitchFamily="65" charset="-120"/>
                 <a:ea typeface="標楷體" panose="03000509000000000000" pitchFamily="65" charset="-120"/>
               </a:rPr>
@@ -4927,14 +4891,14 @@
           <a:lstStyle/>
           <a:p>
             <a:r>
-              <a:rPr lang="zh-TW" altLang="en-US" dirty="0" smtClean="0">
+              <a:rPr lang="zh-TW" altLang="en-US" dirty="0">
                 <a:latin typeface="標楷體" panose="03000509000000000000" pitchFamily="65" charset="-120"/>
                 <a:ea typeface="標楷體" panose="03000509000000000000" pitchFamily="65" charset="-120"/>
               </a:rPr>
               <a:t>實驗</a:t>
             </a:r>
             <a:r>
-              <a:rPr lang="en-US" altLang="zh-TW" dirty="0" smtClean="0">
+              <a:rPr lang="en-US" altLang="zh-TW" dirty="0">
                 <a:latin typeface="標楷體" panose="03000509000000000000" pitchFamily="65" charset="-120"/>
                 <a:ea typeface="標楷體" panose="03000509000000000000" pitchFamily="65" charset="-120"/>
               </a:rPr>
@@ -5038,20 +5002,12 @@
               <a:t>1 </a:t>
             </a:r>
             <a:r>
-              <a:rPr lang="zh-TW" altLang="en-US" dirty="0" smtClean="0"/>
+              <a:rPr lang="zh-TW" altLang="en-US" dirty="0"/>
               <a:t>，</a:t>
             </a:r>
             <a:r>
-              <a:rPr lang="en-US" altLang="zh-TW" dirty="0" smtClean="0"/>
-              <a:t>D = </a:t>
-            </a:r>
-            <a:r>
               <a:rPr lang="en-US" altLang="zh-TW" dirty="0"/>
-              <a:t>P5 * </a:t>
-            </a:r>
-            <a:r>
-              <a:rPr lang="en-US" altLang="zh-TW" dirty="0" smtClean="0"/>
-              <a:t>0.2(</a:t>
+              <a:t>D = P5 * 0.2(</a:t>
             </a:r>
             <a:r>
               <a:rPr lang="zh-TW" altLang="en-US" dirty="0"/>
@@ -5119,14 +5075,14 @@
           <a:lstStyle/>
           <a:p>
             <a:r>
-              <a:rPr lang="zh-TW" altLang="en-US" dirty="0" smtClean="0">
+              <a:rPr lang="zh-TW" altLang="en-US" dirty="0">
                 <a:latin typeface="標楷體" panose="03000509000000000000" pitchFamily="65" charset="-120"/>
                 <a:ea typeface="標楷體" panose="03000509000000000000" pitchFamily="65" charset="-120"/>
               </a:rPr>
               <a:t>實驗</a:t>
             </a:r>
             <a:r>
-              <a:rPr lang="en-US" altLang="zh-TW" dirty="0" smtClean="0">
+              <a:rPr lang="en-US" altLang="zh-TW" dirty="0">
                 <a:latin typeface="標楷體" panose="03000509000000000000" pitchFamily="65" charset="-120"/>
                 <a:ea typeface="標楷體" panose="03000509000000000000" pitchFamily="65" charset="-120"/>
               </a:rPr>
@@ -5209,42 +5165,42 @@
           <a:lstStyle/>
           <a:p>
             <a:r>
-              <a:rPr lang="zh-TW" altLang="en-US" dirty="0" smtClean="0">
+              <a:rPr lang="zh-TW" altLang="en-US" dirty="0">
                 <a:latin typeface="標楷體" panose="03000509000000000000" pitchFamily="65" charset="-120"/>
                 <a:ea typeface="標楷體" panose="03000509000000000000" pitchFamily="65" charset="-120"/>
               </a:rPr>
               <a:t>實驗</a:t>
             </a:r>
             <a:r>
-              <a:rPr lang="en-US" altLang="zh-TW" dirty="0" smtClean="0">
+              <a:rPr lang="en-US" altLang="zh-TW" dirty="0">
                 <a:latin typeface="標楷體" panose="03000509000000000000" pitchFamily="65" charset="-120"/>
                 <a:ea typeface="標楷體" panose="03000509000000000000" pitchFamily="65" charset="-120"/>
               </a:rPr>
               <a:t>4-3</a:t>
             </a:r>
             <a:r>
-              <a:rPr lang="zh-TW" altLang="en-US" dirty="0" smtClean="0">
+              <a:rPr lang="zh-TW" altLang="en-US" dirty="0">
                 <a:latin typeface="標楷體" panose="03000509000000000000" pitchFamily="65" charset="-120"/>
                 <a:ea typeface="標楷體" panose="03000509000000000000" pitchFamily="65" charset="-120"/>
               </a:rPr>
               <a:t> </a:t>
             </a:r>
             <a:r>
-              <a:rPr lang="en-US" altLang="zh-TW" dirty="0" smtClean="0">
+              <a:rPr lang="en-US" altLang="zh-TW" dirty="0">
                 <a:latin typeface="標楷體" panose="03000509000000000000" pitchFamily="65" charset="-120"/>
                 <a:ea typeface="標楷體" panose="03000509000000000000" pitchFamily="65" charset="-120"/>
               </a:rPr>
               <a:t>(10%</a:t>
             </a:r>
             <a:r>
-              <a:rPr lang="zh-TW" altLang="en-US" dirty="0" smtClean="0">
+              <a:rPr lang="zh-TW" altLang="en-US" dirty="0">
                 <a:latin typeface="標楷體" panose="03000509000000000000" pitchFamily="65" charset="-120"/>
                 <a:ea typeface="標楷體" panose="03000509000000000000" pitchFamily="65" charset="-120"/>
               </a:rPr>
               <a:t> 模擬</a:t>
             </a:r>
             <a:r>
-              <a:rPr lang="en-US" altLang="zh-TW" dirty="0" smtClean="0">
+              <a:rPr lang="en-US" altLang="zh-TW" dirty="0">
                 <a:latin typeface="標楷體" panose="03000509000000000000" pitchFamily="65" charset="-120"/>
                 <a:ea typeface="標楷體" panose="03000509000000000000" pitchFamily="65" charset="-120"/>
               </a:rPr>
@@ -5417,42 +5373,42 @@
           <a:lstStyle/>
           <a:p>
             <a:r>
-              <a:rPr lang="zh-TW" altLang="en-US" dirty="0" smtClean="0">
+              <a:rPr lang="zh-TW" altLang="en-US" dirty="0">
                 <a:latin typeface="標楷體" panose="03000509000000000000" pitchFamily="65" charset="-120"/>
                 <a:ea typeface="標楷體" panose="03000509000000000000" pitchFamily="65" charset="-120"/>
               </a:rPr>
               <a:t>實驗</a:t>
             </a:r>
             <a:r>
-              <a:rPr lang="en-US" altLang="zh-TW" dirty="0" smtClean="0">
+              <a:rPr lang="en-US" altLang="zh-TW" dirty="0">
                 <a:latin typeface="標楷體" panose="03000509000000000000" pitchFamily="65" charset="-120"/>
                 <a:ea typeface="標楷體" panose="03000509000000000000" pitchFamily="65" charset="-120"/>
               </a:rPr>
               <a:t>4-3</a:t>
             </a:r>
             <a:r>
-              <a:rPr lang="zh-TW" altLang="en-US" dirty="0" smtClean="0">
+              <a:rPr lang="zh-TW" altLang="en-US" dirty="0">
                 <a:latin typeface="標楷體" panose="03000509000000000000" pitchFamily="65" charset="-120"/>
                 <a:ea typeface="標楷體" panose="03000509000000000000" pitchFamily="65" charset="-120"/>
               </a:rPr>
               <a:t> </a:t>
             </a:r>
             <a:r>
-              <a:rPr lang="en-US" altLang="zh-TW" dirty="0" smtClean="0">
+              <a:rPr lang="en-US" altLang="zh-TW" dirty="0">
                 <a:latin typeface="標楷體" panose="03000509000000000000" pitchFamily="65" charset="-120"/>
                 <a:ea typeface="標楷體" panose="03000509000000000000" pitchFamily="65" charset="-120"/>
               </a:rPr>
               <a:t>(10%</a:t>
             </a:r>
             <a:r>
-              <a:rPr lang="zh-TW" altLang="en-US" dirty="0" smtClean="0">
+              <a:rPr lang="zh-TW" altLang="en-US" dirty="0">
                 <a:latin typeface="標楷體" panose="03000509000000000000" pitchFamily="65" charset="-120"/>
                 <a:ea typeface="標楷體" panose="03000509000000000000" pitchFamily="65" charset="-120"/>
               </a:rPr>
               <a:t> 驗證</a:t>
             </a:r>
             <a:r>
-              <a:rPr lang="en-US" altLang="zh-TW" dirty="0" smtClean="0">
+              <a:rPr lang="en-US" altLang="zh-TW" dirty="0">
                 <a:latin typeface="標楷體" panose="03000509000000000000" pitchFamily="65" charset="-120"/>
                 <a:ea typeface="標楷體" panose="03000509000000000000" pitchFamily="65" charset="-120"/>
               </a:rPr>
@@ -5565,42 +5521,42 @@
           <a:lstStyle/>
           <a:p>
             <a:r>
-              <a:rPr lang="zh-TW" altLang="en-US" dirty="0" smtClean="0">
+              <a:rPr lang="zh-TW" altLang="en-US" dirty="0">
                 <a:latin typeface="標楷體" panose="03000509000000000000" pitchFamily="65" charset="-120"/>
                 <a:ea typeface="標楷體" panose="03000509000000000000" pitchFamily="65" charset="-120"/>
               </a:rPr>
               <a:t>實驗</a:t>
             </a:r>
             <a:r>
-              <a:rPr lang="en-US" altLang="zh-TW" dirty="0" smtClean="0">
+              <a:rPr lang="en-US" altLang="zh-TW" dirty="0">
                 <a:latin typeface="標楷體" panose="03000509000000000000" pitchFamily="65" charset="-120"/>
                 <a:ea typeface="標楷體" panose="03000509000000000000" pitchFamily="65" charset="-120"/>
               </a:rPr>
               <a:t>4-3</a:t>
             </a:r>
             <a:r>
-              <a:rPr lang="zh-TW" altLang="en-US" dirty="0" smtClean="0">
+              <a:rPr lang="zh-TW" altLang="en-US" dirty="0">
                 <a:latin typeface="標楷體" panose="03000509000000000000" pitchFamily="65" charset="-120"/>
                 <a:ea typeface="標楷體" panose="03000509000000000000" pitchFamily="65" charset="-120"/>
               </a:rPr>
               <a:t> </a:t>
             </a:r>
             <a:r>
-              <a:rPr lang="en-US" altLang="zh-TW" dirty="0" smtClean="0">
+              <a:rPr lang="en-US" altLang="zh-TW" dirty="0">
                 <a:latin typeface="標楷體" panose="03000509000000000000" pitchFamily="65" charset="-120"/>
                 <a:ea typeface="標楷體" panose="03000509000000000000" pitchFamily="65" charset="-120"/>
               </a:rPr>
               <a:t>(30%</a:t>
             </a:r>
             <a:r>
-              <a:rPr lang="zh-TW" altLang="en-US" dirty="0" smtClean="0">
+              <a:rPr lang="zh-TW" altLang="en-US" dirty="0">
                 <a:latin typeface="標楷體" panose="03000509000000000000" pitchFamily="65" charset="-120"/>
                 <a:ea typeface="標楷體" panose="03000509000000000000" pitchFamily="65" charset="-120"/>
               </a:rPr>
               <a:t> 模擬</a:t>
             </a:r>
             <a:r>
-              <a:rPr lang="en-US" altLang="zh-TW" dirty="0" smtClean="0">
+              <a:rPr lang="en-US" altLang="zh-TW" dirty="0">
                 <a:latin typeface="標楷體" panose="03000509000000000000" pitchFamily="65" charset="-120"/>
                 <a:ea typeface="標楷體" panose="03000509000000000000" pitchFamily="65" charset="-120"/>
               </a:rPr>
@@ -5773,7 +5729,7 @@
           <a:lstStyle/>
           <a:p>
             <a:r>
-              <a:rPr lang="zh-TW" altLang="en-US" dirty="0" smtClean="0">
+              <a:rPr lang="zh-TW" altLang="en-US" dirty="0">
                 <a:latin typeface="標楷體" panose="03000509000000000000" pitchFamily="65" charset="-120"/>
                 <a:ea typeface="標楷體" panose="03000509000000000000" pitchFamily="65" charset="-120"/>
               </a:rPr>
@@ -5784,14 +5740,7 @@
                 <a:latin typeface="標楷體" panose="03000509000000000000" pitchFamily="65" charset="-120"/>
                 <a:ea typeface="標楷體" panose="03000509000000000000" pitchFamily="65" charset="-120"/>
               </a:rPr>
-              <a:t>4</a:t>
-            </a:r>
-            <a:r>
-              <a:rPr lang="en-US" altLang="zh-TW" dirty="0" smtClean="0">
-                <a:latin typeface="標楷體" panose="03000509000000000000" pitchFamily="65" charset="-120"/>
-                <a:ea typeface="標楷體" panose="03000509000000000000" pitchFamily="65" charset="-120"/>
-              </a:rPr>
-              <a:t>-1</a:t>
+              <a:t>4-1</a:t>
             </a:r>
             <a:endParaRPr lang="zh-TW" altLang="en-US" dirty="0">
               <a:latin typeface="標楷體" panose="03000509000000000000" pitchFamily="65" charset="-120"/>
@@ -5894,42 +5843,42 @@
           <a:lstStyle/>
           <a:p>
             <a:r>
-              <a:rPr lang="zh-TW" altLang="en-US" dirty="0" smtClean="0">
+              <a:rPr lang="zh-TW" altLang="en-US" dirty="0">
                 <a:latin typeface="標楷體" panose="03000509000000000000" pitchFamily="65" charset="-120"/>
                 <a:ea typeface="標楷體" panose="03000509000000000000" pitchFamily="65" charset="-120"/>
               </a:rPr>
               <a:t>實驗</a:t>
             </a:r>
             <a:r>
-              <a:rPr lang="en-US" altLang="zh-TW" dirty="0" smtClean="0">
+              <a:rPr lang="en-US" altLang="zh-TW" dirty="0">
                 <a:latin typeface="標楷體" panose="03000509000000000000" pitchFamily="65" charset="-120"/>
                 <a:ea typeface="標楷體" panose="03000509000000000000" pitchFamily="65" charset="-120"/>
               </a:rPr>
               <a:t>4-3</a:t>
             </a:r>
             <a:r>
-              <a:rPr lang="zh-TW" altLang="en-US" dirty="0" smtClean="0">
+              <a:rPr lang="zh-TW" altLang="en-US" dirty="0">
                 <a:latin typeface="標楷體" panose="03000509000000000000" pitchFamily="65" charset="-120"/>
                 <a:ea typeface="標楷體" panose="03000509000000000000" pitchFamily="65" charset="-120"/>
               </a:rPr>
               <a:t> </a:t>
             </a:r>
             <a:r>
-              <a:rPr lang="en-US" altLang="zh-TW" dirty="0" smtClean="0">
+              <a:rPr lang="en-US" altLang="zh-TW" dirty="0">
                 <a:latin typeface="標楷體" panose="03000509000000000000" pitchFamily="65" charset="-120"/>
                 <a:ea typeface="標楷體" panose="03000509000000000000" pitchFamily="65" charset="-120"/>
               </a:rPr>
               <a:t>(30%</a:t>
             </a:r>
             <a:r>
-              <a:rPr lang="zh-TW" altLang="en-US" dirty="0" smtClean="0">
+              <a:rPr lang="zh-TW" altLang="en-US" dirty="0">
                 <a:latin typeface="標楷體" panose="03000509000000000000" pitchFamily="65" charset="-120"/>
                 <a:ea typeface="標楷體" panose="03000509000000000000" pitchFamily="65" charset="-120"/>
               </a:rPr>
               <a:t> 驗證</a:t>
             </a:r>
             <a:r>
-              <a:rPr lang="en-US" altLang="zh-TW" dirty="0" smtClean="0">
+              <a:rPr lang="en-US" altLang="zh-TW" dirty="0">
                 <a:latin typeface="標楷體" panose="03000509000000000000" pitchFamily="65" charset="-120"/>
                 <a:ea typeface="標楷體" panose="03000509000000000000" pitchFamily="65" charset="-120"/>
               </a:rPr>
@@ -6042,14 +5991,14 @@
           <a:lstStyle/>
           <a:p>
             <a:r>
-              <a:rPr lang="zh-TW" altLang="en-US" dirty="0" smtClean="0">
+              <a:rPr lang="zh-TW" altLang="en-US" dirty="0">
                 <a:latin typeface="標楷體" panose="03000509000000000000" pitchFamily="65" charset="-120"/>
                 <a:ea typeface="標楷體" panose="03000509000000000000" pitchFamily="65" charset="-120"/>
               </a:rPr>
               <a:t>實驗</a:t>
             </a:r>
             <a:r>
-              <a:rPr lang="en-US" altLang="zh-TW" dirty="0" smtClean="0">
+              <a:rPr lang="en-US" altLang="zh-TW" dirty="0">
                 <a:latin typeface="標楷體" panose="03000509000000000000" pitchFamily="65" charset="-120"/>
                 <a:ea typeface="標楷體" panose="03000509000000000000" pitchFamily="65" charset="-120"/>
               </a:rPr>
@@ -6152,19 +6101,19 @@
               <a:t>1 </a:t>
             </a:r>
             <a:r>
-              <a:rPr lang="zh-TW" altLang="en-US" dirty="0" smtClean="0"/>
+              <a:rPr lang="zh-TW" altLang="en-US" dirty="0"/>
               <a:t>，</a:t>
             </a:r>
             <a:r>
-              <a:rPr lang="en-US" altLang="zh-TW" dirty="0" smtClean="0"/>
+              <a:rPr lang="en-US" altLang="zh-TW" dirty="0"/>
               <a:t>D = 0.2 * P4</a:t>
             </a:r>
             <a:r>
-              <a:rPr lang="zh-TW" altLang="en-US" dirty="0" smtClean="0"/>
+              <a:rPr lang="zh-TW" altLang="en-US" dirty="0"/>
               <a:t>，</a:t>
             </a:r>
             <a:r>
-              <a:rPr lang="en-US" altLang="zh-TW" dirty="0" smtClean="0"/>
+              <a:rPr lang="en-US" altLang="zh-TW" dirty="0"/>
               <a:t> I = P5 * 1/0.4 (</a:t>
             </a:r>
             <a:r>
@@ -6233,14 +6182,14 @@
           <a:lstStyle/>
           <a:p>
             <a:r>
-              <a:rPr lang="zh-TW" altLang="en-US" dirty="0" smtClean="0">
+              <a:rPr lang="zh-TW" altLang="en-US" dirty="0">
                 <a:latin typeface="標楷體" panose="03000509000000000000" pitchFamily="65" charset="-120"/>
                 <a:ea typeface="標楷體" panose="03000509000000000000" pitchFamily="65" charset="-120"/>
               </a:rPr>
               <a:t>實驗</a:t>
             </a:r>
             <a:r>
-              <a:rPr lang="en-US" altLang="zh-TW" dirty="0" smtClean="0">
+              <a:rPr lang="en-US" altLang="zh-TW" dirty="0">
                 <a:latin typeface="標楷體" panose="03000509000000000000" pitchFamily="65" charset="-120"/>
                 <a:ea typeface="標楷體" panose="03000509000000000000" pitchFamily="65" charset="-120"/>
               </a:rPr>
@@ -6323,42 +6272,42 @@
           <a:lstStyle/>
           <a:p>
             <a:r>
-              <a:rPr lang="zh-TW" altLang="en-US" dirty="0" smtClean="0">
+              <a:rPr lang="zh-TW" altLang="en-US" dirty="0">
                 <a:latin typeface="標楷體" panose="03000509000000000000" pitchFamily="65" charset="-120"/>
                 <a:ea typeface="標楷體" panose="03000509000000000000" pitchFamily="65" charset="-120"/>
               </a:rPr>
               <a:t>實驗</a:t>
             </a:r>
             <a:r>
-              <a:rPr lang="en-US" altLang="zh-TW" dirty="0" smtClean="0">
+              <a:rPr lang="en-US" altLang="zh-TW" dirty="0">
                 <a:latin typeface="標楷體" panose="03000509000000000000" pitchFamily="65" charset="-120"/>
                 <a:ea typeface="標楷體" panose="03000509000000000000" pitchFamily="65" charset="-120"/>
               </a:rPr>
               <a:t>4-4</a:t>
             </a:r>
             <a:r>
-              <a:rPr lang="zh-TW" altLang="en-US" dirty="0" smtClean="0">
+              <a:rPr lang="zh-TW" altLang="en-US" dirty="0">
                 <a:latin typeface="標楷體" panose="03000509000000000000" pitchFamily="65" charset="-120"/>
                 <a:ea typeface="標楷體" panose="03000509000000000000" pitchFamily="65" charset="-120"/>
               </a:rPr>
               <a:t> </a:t>
             </a:r>
             <a:r>
-              <a:rPr lang="en-US" altLang="zh-TW" dirty="0" smtClean="0">
+              <a:rPr lang="en-US" altLang="zh-TW" dirty="0">
                 <a:latin typeface="標楷體" panose="03000509000000000000" pitchFamily="65" charset="-120"/>
                 <a:ea typeface="標楷體" panose="03000509000000000000" pitchFamily="65" charset="-120"/>
               </a:rPr>
               <a:t>(</a:t>
             </a:r>
             <a:r>
-              <a:rPr lang="zh-TW" altLang="en-US" dirty="0" smtClean="0">
+              <a:rPr lang="zh-TW" altLang="en-US" dirty="0">
                 <a:latin typeface="標楷體" panose="03000509000000000000" pitchFamily="65" charset="-120"/>
                 <a:ea typeface="標楷體" panose="03000509000000000000" pitchFamily="65" charset="-120"/>
               </a:rPr>
               <a:t>模擬</a:t>
             </a:r>
             <a:r>
-              <a:rPr lang="en-US" altLang="zh-TW" dirty="0" smtClean="0">
+              <a:rPr lang="en-US" altLang="zh-TW" dirty="0">
                 <a:latin typeface="標楷體" panose="03000509000000000000" pitchFamily="65" charset="-120"/>
                 <a:ea typeface="標楷體" panose="03000509000000000000" pitchFamily="65" charset="-120"/>
               </a:rPr>
@@ -6531,42 +6480,42 @@
           <a:lstStyle/>
           <a:p>
             <a:r>
-              <a:rPr lang="zh-TW" altLang="en-US" dirty="0" smtClean="0">
+              <a:rPr lang="zh-TW" altLang="en-US" dirty="0">
                 <a:latin typeface="標楷體" panose="03000509000000000000" pitchFamily="65" charset="-120"/>
                 <a:ea typeface="標楷體" panose="03000509000000000000" pitchFamily="65" charset="-120"/>
               </a:rPr>
               <a:t>實驗</a:t>
             </a:r>
             <a:r>
-              <a:rPr lang="en-US" altLang="zh-TW" dirty="0" smtClean="0">
+              <a:rPr lang="en-US" altLang="zh-TW" dirty="0">
                 <a:latin typeface="標楷體" panose="03000509000000000000" pitchFamily="65" charset="-120"/>
                 <a:ea typeface="標楷體" panose="03000509000000000000" pitchFamily="65" charset="-120"/>
               </a:rPr>
               <a:t>4-4</a:t>
             </a:r>
             <a:r>
-              <a:rPr lang="zh-TW" altLang="en-US" dirty="0" smtClean="0">
+              <a:rPr lang="zh-TW" altLang="en-US" dirty="0">
                 <a:latin typeface="標楷體" panose="03000509000000000000" pitchFamily="65" charset="-120"/>
                 <a:ea typeface="標楷體" panose="03000509000000000000" pitchFamily="65" charset="-120"/>
               </a:rPr>
               <a:t> </a:t>
             </a:r>
             <a:r>
-              <a:rPr lang="en-US" altLang="zh-TW" dirty="0" smtClean="0">
+              <a:rPr lang="en-US" altLang="zh-TW" dirty="0">
                 <a:latin typeface="標楷體" panose="03000509000000000000" pitchFamily="65" charset="-120"/>
                 <a:ea typeface="標楷體" panose="03000509000000000000" pitchFamily="65" charset="-120"/>
               </a:rPr>
               <a:t>(</a:t>
             </a:r>
             <a:r>
-              <a:rPr lang="zh-TW" altLang="en-US" dirty="0" smtClean="0">
+              <a:rPr lang="zh-TW" altLang="en-US" dirty="0">
                 <a:latin typeface="標楷體" panose="03000509000000000000" pitchFamily="65" charset="-120"/>
                 <a:ea typeface="標楷體" panose="03000509000000000000" pitchFamily="65" charset="-120"/>
               </a:rPr>
               <a:t>驗證</a:t>
             </a:r>
             <a:r>
-              <a:rPr lang="en-US" altLang="zh-TW" dirty="0" smtClean="0">
+              <a:rPr lang="en-US" altLang="zh-TW" dirty="0">
                 <a:latin typeface="標楷體" panose="03000509000000000000" pitchFamily="65" charset="-120"/>
                 <a:ea typeface="標楷體" panose="03000509000000000000" pitchFamily="65" charset="-120"/>
               </a:rPr>
@@ -6716,13 +6665,257 @@
         <p:spPr>
           <a:xfrm>
             <a:off x="700562" y="1690688"/>
-            <a:ext cx="9574148" cy="497631"/>
+            <a:ext cx="7735472" cy="402063"/>
           </a:xfrm>
           <a:prstGeom prst="rect">
             <a:avLst/>
           </a:prstGeom>
         </p:spPr>
       </p:pic>
+      <mc:AlternateContent xmlns:mc="http://schemas.openxmlformats.org/markup-compatibility/2006" xmlns:a14="http://schemas.microsoft.com/office/drawing/2010/main">
+        <mc:Choice Requires="a14">
+          <p:sp>
+            <p:nvSpPr>
+              <p:cNvPr id="2" name="文字方塊 1">
+                <a:extLst>
+                  <a:ext uri="{FF2B5EF4-FFF2-40B4-BE49-F238E27FC236}">
+                    <a16:creationId xmlns:a16="http://schemas.microsoft.com/office/drawing/2014/main" id="{1DE86190-50BB-E894-DD90-B6EC7656C957}"/>
+                  </a:ext>
+                </a:extLst>
+              </p:cNvPr>
+              <p:cNvSpPr txBox="1"/>
+              <p:nvPr/>
+            </p:nvSpPr>
+            <p:spPr>
+              <a:xfrm>
+                <a:off x="931816" y="2508069"/>
+                <a:ext cx="7045235" cy="1967526"/>
+              </a:xfrm>
+              <a:prstGeom prst="rect">
+                <a:avLst/>
+              </a:prstGeom>
+              <a:noFill/>
+            </p:spPr>
+            <p:txBody>
+              <a:bodyPr wrap="square" rtlCol="0">
+                <a:spAutoFit/>
+              </a:bodyPr>
+              <a:lstStyle/>
+              <a:p>
+                <a:r>
+                  <a:rPr lang="zh-TW" altLang="en-US" sz="2400" dirty="0">
+                    <a:latin typeface="標楷體" panose="03000509000000000000" pitchFamily="65" charset="-120"/>
+                    <a:ea typeface="標楷體" panose="03000509000000000000" pitchFamily="65" charset="-120"/>
+                  </a:rPr>
+                  <a:t>比例器</a:t>
+                </a:r>
+                <a:r>
+                  <a:rPr lang="en-US" altLang="zh-TW" sz="2400" dirty="0">
+                    <a:latin typeface="標楷體" panose="03000509000000000000" pitchFamily="65" charset="-120"/>
+                    <a:ea typeface="標楷體" panose="03000509000000000000" pitchFamily="65" charset="-120"/>
+                  </a:rPr>
+                  <a:t>:</a:t>
+                </a:r>
+                <a:r>
+                  <a:rPr lang="zh-TW" altLang="en-US" sz="2400" dirty="0">
+                    <a:latin typeface="標楷體" panose="03000509000000000000" pitchFamily="65" charset="-120"/>
+                    <a:ea typeface="標楷體" panose="03000509000000000000" pitchFamily="65" charset="-120"/>
+                  </a:rPr>
+                  <a:t>提高</a:t>
+                </a:r>
+                <a14:m>
+                  <m:oMath xmlns:m="http://schemas.openxmlformats.org/officeDocument/2006/math">
+                    <m:sSub>
+                      <m:sSubPr>
+                        <m:ctrlPr>
+                          <a:rPr lang="en-US" altLang="zh-TW" sz="2400" i="1" smtClean="0">
+                            <a:latin typeface="Cambria Math" panose="02040503050406030204" pitchFamily="18" charset="0"/>
+                          </a:rPr>
+                        </m:ctrlPr>
+                      </m:sSubPr>
+                      <m:e>
+                        <m:r>
+                          <m:rPr>
+                            <m:sty m:val="p"/>
+                          </m:rPr>
+                          <a:rPr lang="en-US" altLang="zh-TW" sz="2400" i="1">
+                            <a:latin typeface="Cambria Math" panose="02040503050406030204" pitchFamily="18" charset="0"/>
+                          </a:rPr>
+                          <m:t>K</m:t>
+                        </m:r>
+                      </m:e>
+                      <m:sub>
+                        <m:r>
+                          <a:rPr lang="en-US" altLang="zh-TW" sz="2400" b="0" i="1" smtClean="0">
+                            <a:latin typeface="Cambria Math" panose="02040503050406030204" pitchFamily="18" charset="0"/>
+                          </a:rPr>
+                          <m:t>𝑝</m:t>
+                        </m:r>
+                      </m:sub>
+                    </m:sSub>
+                    <m:r>
+                      <a:rPr lang="zh-TW" altLang="en-US" sz="2400" i="1">
+                        <a:latin typeface="Cambria Math" panose="02040503050406030204" pitchFamily="18" charset="0"/>
+                      </a:rPr>
+                      <m:t>值</m:t>
+                    </m:r>
+                  </m:oMath>
+                </a14:m>
+                <a:r>
+                  <a:rPr lang="zh-TW" altLang="en-US" sz="2400" dirty="0">
+                    <a:latin typeface="標楷體" panose="03000509000000000000" pitchFamily="65" charset="-120"/>
+                    <a:ea typeface="標楷體" panose="03000509000000000000" pitchFamily="65" charset="-120"/>
+                  </a:rPr>
+                  <a:t>，降低時間常數，讓系統快速達到穩態響應</a:t>
+                </a:r>
+                <a:endParaRPr lang="en-US" altLang="zh-TW" sz="2400" dirty="0">
+                  <a:latin typeface="標楷體" panose="03000509000000000000" pitchFamily="65" charset="-120"/>
+                  <a:ea typeface="標楷體" panose="03000509000000000000" pitchFamily="65" charset="-120"/>
+                </a:endParaRPr>
+              </a:p>
+              <a:p>
+                <a:r>
+                  <a:rPr lang="zh-TW" altLang="en-US" sz="2400" dirty="0">
+                    <a:latin typeface="標楷體" panose="03000509000000000000" pitchFamily="65" charset="-120"/>
+                    <a:ea typeface="標楷體" panose="03000509000000000000" pitchFamily="65" charset="-120"/>
+                  </a:rPr>
+                  <a:t>積分器</a:t>
+                </a:r>
+                <a:r>
+                  <a:rPr lang="en-US" altLang="zh-TW" sz="2400" dirty="0">
+                    <a:latin typeface="標楷體" panose="03000509000000000000" pitchFamily="65" charset="-120"/>
+                    <a:ea typeface="標楷體" panose="03000509000000000000" pitchFamily="65" charset="-120"/>
+                  </a:rPr>
+                  <a:t>:</a:t>
+                </a:r>
+                <a:r>
+                  <a:rPr lang="zh-TW" altLang="en-US" sz="2400" dirty="0">
+                    <a:latin typeface="標楷體" panose="03000509000000000000" pitchFamily="65" charset="-120"/>
+                    <a:ea typeface="標楷體" panose="03000509000000000000" pitchFamily="65" charset="-120"/>
+                  </a:rPr>
+                  <a:t>控制步階訊號，消除穩態誤差</a:t>
+                </a:r>
+                <a:endParaRPr lang="en-US" altLang="zh-TW" sz="2400" dirty="0">
+                  <a:latin typeface="標楷體" panose="03000509000000000000" pitchFamily="65" charset="-120"/>
+                  <a:ea typeface="標楷體" panose="03000509000000000000" pitchFamily="65" charset="-120"/>
+                </a:endParaRPr>
+              </a:p>
+              <a:p>
+                <a:r>
+                  <a:rPr lang="zh-TW" altLang="en-US" sz="2400" dirty="0">
+                    <a:latin typeface="標楷體" panose="03000509000000000000" pitchFamily="65" charset="-120"/>
+                    <a:ea typeface="標楷體" panose="03000509000000000000" pitchFamily="65" charset="-120"/>
+                  </a:rPr>
+                  <a:t>微分器</a:t>
+                </a:r>
+                <a:r>
+                  <a:rPr lang="en-US" altLang="zh-TW" sz="2400" dirty="0">
+                    <a:latin typeface="標楷體" panose="03000509000000000000" pitchFamily="65" charset="-120"/>
+                    <a:ea typeface="標楷體" panose="03000509000000000000" pitchFamily="65" charset="-120"/>
+                  </a:rPr>
+                  <a:t>:</a:t>
+                </a:r>
+                <a:r>
+                  <a:rPr lang="zh-TW" altLang="en-US" sz="2400" dirty="0">
+                    <a:latin typeface="標楷體" panose="03000509000000000000" pitchFamily="65" charset="-120"/>
+                    <a:ea typeface="標楷體" panose="03000509000000000000" pitchFamily="65" charset="-120"/>
+                  </a:rPr>
+                  <a:t>提高</a:t>
+                </a:r>
+                <a14:m>
+                  <m:oMath xmlns:m="http://schemas.openxmlformats.org/officeDocument/2006/math">
+                    <m:sSub>
+                      <m:sSubPr>
+                        <m:ctrlPr>
+                          <a:rPr lang="en-US" altLang="zh-TW" sz="2400" i="1" smtClean="0">
+                            <a:latin typeface="Cambria Math" panose="02040503050406030204" pitchFamily="18" charset="0"/>
+                          </a:rPr>
+                        </m:ctrlPr>
+                      </m:sSubPr>
+                      <m:e>
+                        <m:r>
+                          <m:rPr>
+                            <m:sty m:val="p"/>
+                          </m:rPr>
+                          <a:rPr lang="en-US" altLang="zh-TW" sz="2400" i="1">
+                            <a:latin typeface="Cambria Math" panose="02040503050406030204" pitchFamily="18" charset="0"/>
+                          </a:rPr>
+                          <m:t>K</m:t>
+                        </m:r>
+                      </m:e>
+                      <m:sub>
+                        <m:r>
+                          <a:rPr lang="en-US" altLang="zh-TW" sz="2400" b="0" i="1" smtClean="0">
+                            <a:latin typeface="Cambria Math" panose="02040503050406030204" pitchFamily="18" charset="0"/>
+                          </a:rPr>
+                          <m:t>𝐷</m:t>
+                        </m:r>
+                      </m:sub>
+                    </m:sSub>
+                    <m:r>
+                      <a:rPr lang="zh-TW" altLang="en-US" sz="2400" i="1">
+                        <a:latin typeface="Cambria Math" panose="02040503050406030204" pitchFamily="18" charset="0"/>
+                      </a:rPr>
+                      <m:t>值</m:t>
+                    </m:r>
+                  </m:oMath>
+                </a14:m>
+                <a:r>
+                  <a:rPr lang="zh-TW" altLang="en-US" sz="2400" dirty="0">
+                    <a:latin typeface="標楷體" panose="03000509000000000000" pitchFamily="65" charset="-120"/>
+                    <a:ea typeface="標楷體" panose="03000509000000000000" pitchFamily="65" charset="-120"/>
+                  </a:rPr>
+                  <a:t>，使時間常數變大，暫態響應變慢</a:t>
+                </a:r>
+              </a:p>
+            </p:txBody>
+          </p:sp>
+        </mc:Choice>
+        <mc:Fallback xmlns="">
+          <p:sp>
+            <p:nvSpPr>
+              <p:cNvPr id="2" name="文字方塊 1">
+                <a:extLst>
+                  <a:ext uri="{FF2B5EF4-FFF2-40B4-BE49-F238E27FC236}">
+                    <a16:creationId xmlns:a16="http://schemas.microsoft.com/office/drawing/2014/main" id="{1DE86190-50BB-E894-DD90-B6EC7656C957}"/>
+                  </a:ext>
+                </a:extLst>
+              </p:cNvPr>
+              <p:cNvSpPr txBox="1">
+                <a:spLocks noRot="1" noChangeAspect="1" noMove="1" noResize="1" noEditPoints="1" noAdjustHandles="1" noChangeArrowheads="1" noChangeShapeType="1" noTextEdit="1"/>
+              </p:cNvSpPr>
+              <p:nvPr/>
+            </p:nvSpPr>
+            <p:spPr>
+              <a:xfrm>
+                <a:off x="931816" y="2508069"/>
+                <a:ext cx="7045235" cy="1967526"/>
+              </a:xfrm>
+              <a:prstGeom prst="rect">
+                <a:avLst/>
+              </a:prstGeom>
+              <a:blipFill>
+                <a:blip r:embed="rId3"/>
+                <a:stretch>
+                  <a:fillRect l="-1384" t="-2477" b="-6192"/>
+                </a:stretch>
+              </a:blipFill>
+            </p:spPr>
+            <p:txBody>
+              <a:bodyPr/>
+              <a:lstStyle/>
+              <a:p>
+                <a:r>
+                  <a:rPr lang="zh-TW" altLang="en-US">
+                    <a:noFill/>
+                  </a:rPr>
+                  <a:t> </a:t>
+                </a:r>
+              </a:p>
+            </p:txBody>
+          </p:sp>
+        </mc:Fallback>
+      </mc:AlternateContent>
     </p:spTree>
     <p:extLst>
       <p:ext uri="{BB962C8B-B14F-4D97-AF65-F5344CB8AC3E}">
@@ -6813,6 +7006,89 @@
           </a:prstGeom>
         </p:spPr>
       </p:pic>
+      <p:sp>
+        <p:nvSpPr>
+          <p:cNvPr id="3" name="文字方塊 2">
+            <a:extLst>
+              <a:ext uri="{FF2B5EF4-FFF2-40B4-BE49-F238E27FC236}">
+                <a16:creationId xmlns:a16="http://schemas.microsoft.com/office/drawing/2014/main" id="{58362B95-4C66-CCA1-911D-6BF699E7E155}"/>
+              </a:ext>
+            </a:extLst>
+          </p:cNvPr>
+          <p:cNvSpPr txBox="1"/>
+          <p:nvPr/>
+        </p:nvSpPr>
+        <p:spPr>
+          <a:xfrm>
+            <a:off x="1293358" y="2619035"/>
+            <a:ext cx="6352768" cy="830997"/>
+          </a:xfrm>
+          <a:prstGeom prst="rect">
+            <a:avLst/>
+          </a:prstGeom>
+          <a:noFill/>
+        </p:spPr>
+        <p:txBody>
+          <a:bodyPr wrap="square" rtlCol="0">
+            <a:spAutoFit/>
+          </a:bodyPr>
+          <a:lstStyle/>
+          <a:p>
+            <a:r>
+              <a:rPr lang="zh-TW" altLang="en-US" sz="2400" dirty="0">
+                <a:latin typeface="標楷體" panose="03000509000000000000" pitchFamily="65" charset="-120"/>
+                <a:ea typeface="標楷體" panose="03000509000000000000" pitchFamily="65" charset="-120"/>
+              </a:rPr>
+              <a:t>優點</a:t>
+            </a:r>
+            <a:r>
+              <a:rPr lang="en-US" altLang="zh-TW" sz="2400" dirty="0">
+                <a:latin typeface="標楷體" panose="03000509000000000000" pitchFamily="65" charset="-120"/>
+                <a:ea typeface="標楷體" panose="03000509000000000000" pitchFamily="65" charset="-120"/>
+              </a:rPr>
+              <a:t>:</a:t>
+            </a:r>
+            <a:r>
+              <a:rPr lang="zh-TW" altLang="en-US" sz="2400" dirty="0">
+                <a:latin typeface="標楷體" panose="03000509000000000000" pitchFamily="65" charset="-120"/>
+                <a:ea typeface="標楷體" panose="03000509000000000000" pitchFamily="65" charset="-120"/>
+              </a:rPr>
+              <a:t>響應快，誤差值小，能增加系統穩定性</a:t>
+            </a:r>
+            <a:endParaRPr lang="en-US" altLang="zh-TW" sz="2400" dirty="0">
+              <a:latin typeface="標楷體" panose="03000509000000000000" pitchFamily="65" charset="-120"/>
+              <a:ea typeface="標楷體" panose="03000509000000000000" pitchFamily="65" charset="-120"/>
+            </a:endParaRPr>
+          </a:p>
+          <a:p>
+            <a:r>
+              <a:rPr lang="zh-TW" altLang="en-US" sz="2400" dirty="0">
+                <a:latin typeface="標楷體" panose="03000509000000000000" pitchFamily="65" charset="-120"/>
+                <a:ea typeface="標楷體" panose="03000509000000000000" pitchFamily="65" charset="-120"/>
+              </a:rPr>
+              <a:t>缺點</a:t>
+            </a:r>
+            <a:r>
+              <a:rPr lang="en-US" altLang="zh-TW" sz="2400" dirty="0">
+                <a:latin typeface="標楷體" panose="03000509000000000000" pitchFamily="65" charset="-120"/>
+                <a:ea typeface="標楷體" panose="03000509000000000000" pitchFamily="65" charset="-120"/>
+              </a:rPr>
+              <a:t>:</a:t>
+            </a:r>
+            <a:r>
+              <a:rPr lang="zh-TW" altLang="en-US" sz="2400" dirty="0">
+                <a:latin typeface="標楷體" panose="03000509000000000000" pitchFamily="65" charset="-120"/>
+                <a:ea typeface="標楷體" panose="03000509000000000000" pitchFamily="65" charset="-120"/>
+              </a:rPr>
+              <a:t>容易產生穩態誤差</a:t>
+            </a:r>
+            <a:endParaRPr lang="en-US" altLang="zh-TW" sz="2400" dirty="0">
+              <a:latin typeface="標楷體" panose="03000509000000000000" pitchFamily="65" charset="-120"/>
+              <a:ea typeface="標楷體" panose="03000509000000000000" pitchFamily="65" charset="-120"/>
+            </a:endParaRPr>
+          </a:p>
+        </p:txBody>
+      </p:sp>
     </p:spTree>
     <p:extLst>
       <p:ext uri="{BB962C8B-B14F-4D97-AF65-F5344CB8AC3E}">
@@ -6903,6 +7179,89 @@
           </a:prstGeom>
         </p:spPr>
       </p:pic>
+      <p:sp>
+        <p:nvSpPr>
+          <p:cNvPr id="2" name="文字方塊 1">
+            <a:extLst>
+              <a:ext uri="{FF2B5EF4-FFF2-40B4-BE49-F238E27FC236}">
+                <a16:creationId xmlns:a16="http://schemas.microsoft.com/office/drawing/2014/main" id="{D9396F10-E3DA-88D7-E96E-B1FF66971B3E}"/>
+              </a:ext>
+            </a:extLst>
+          </p:cNvPr>
+          <p:cNvSpPr txBox="1"/>
+          <p:nvPr/>
+        </p:nvSpPr>
+        <p:spPr>
+          <a:xfrm>
+            <a:off x="1254034" y="2083365"/>
+            <a:ext cx="6644640" cy="830997"/>
+          </a:xfrm>
+          <a:prstGeom prst="rect">
+            <a:avLst/>
+          </a:prstGeom>
+          <a:noFill/>
+        </p:spPr>
+        <p:txBody>
+          <a:bodyPr wrap="square" rtlCol="0">
+            <a:spAutoFit/>
+          </a:bodyPr>
+          <a:lstStyle/>
+          <a:p>
+            <a:r>
+              <a:rPr lang="zh-TW" altLang="en-US" sz="2400" dirty="0">
+                <a:latin typeface="標楷體" panose="03000509000000000000" pitchFamily="65" charset="-120"/>
+                <a:ea typeface="標楷體" panose="03000509000000000000" pitchFamily="65" charset="-120"/>
+              </a:rPr>
+              <a:t>優點</a:t>
+            </a:r>
+            <a:r>
+              <a:rPr lang="en-US" altLang="zh-TW" sz="2400" dirty="0">
+                <a:latin typeface="標楷體" panose="03000509000000000000" pitchFamily="65" charset="-120"/>
+                <a:ea typeface="標楷體" panose="03000509000000000000" pitchFamily="65" charset="-120"/>
+              </a:rPr>
+              <a:t>:</a:t>
+            </a:r>
+            <a:r>
+              <a:rPr lang="zh-TW" altLang="en-US" sz="2400" dirty="0">
+                <a:latin typeface="標楷體" panose="03000509000000000000" pitchFamily="65" charset="-120"/>
+                <a:ea typeface="標楷體" panose="03000509000000000000" pitchFamily="65" charset="-120"/>
+              </a:rPr>
+              <a:t>能消除穩態誤差</a:t>
+            </a:r>
+            <a:endParaRPr lang="en-US" altLang="zh-TW" sz="2400" dirty="0">
+              <a:latin typeface="標楷體" panose="03000509000000000000" pitchFamily="65" charset="-120"/>
+              <a:ea typeface="標楷體" panose="03000509000000000000" pitchFamily="65" charset="-120"/>
+            </a:endParaRPr>
+          </a:p>
+          <a:p>
+            <a:r>
+              <a:rPr lang="zh-TW" altLang="en-US" sz="2400" dirty="0">
+                <a:latin typeface="標楷體" panose="03000509000000000000" pitchFamily="65" charset="-120"/>
+                <a:ea typeface="標楷體" panose="03000509000000000000" pitchFamily="65" charset="-120"/>
+              </a:rPr>
+              <a:t>缺點</a:t>
+            </a:r>
+            <a:r>
+              <a:rPr lang="en-US" altLang="zh-TW" sz="2400" dirty="0">
+                <a:latin typeface="標楷體" panose="03000509000000000000" pitchFamily="65" charset="-120"/>
+                <a:ea typeface="標楷體" panose="03000509000000000000" pitchFamily="65" charset="-120"/>
+              </a:rPr>
+              <a:t>:</a:t>
+            </a:r>
+            <a:r>
+              <a:rPr lang="zh-TW" altLang="en-US" sz="2400" dirty="0">
+                <a:latin typeface="標楷體" panose="03000509000000000000" pitchFamily="65" charset="-120"/>
+                <a:ea typeface="標楷體" panose="03000509000000000000" pitchFamily="65" charset="-120"/>
+              </a:rPr>
+              <a:t>控制慢，系統穩定性會變差</a:t>
+            </a:r>
+            <a:endParaRPr lang="en-US" altLang="zh-TW" sz="2400" dirty="0">
+              <a:latin typeface="標楷體" panose="03000509000000000000" pitchFamily="65" charset="-120"/>
+              <a:ea typeface="標楷體" panose="03000509000000000000" pitchFamily="65" charset="-120"/>
+            </a:endParaRPr>
+          </a:p>
+        </p:txBody>
+      </p:sp>
     </p:spTree>
     <p:extLst>
       <p:ext uri="{BB962C8B-B14F-4D97-AF65-F5344CB8AC3E}">
@@ -6949,7 +7308,7 @@
           <a:lstStyle/>
           <a:p>
             <a:r>
-              <a:rPr lang="zh-TW" altLang="en-US" dirty="0" smtClean="0">
+              <a:rPr lang="zh-TW" altLang="en-US" dirty="0">
                 <a:latin typeface="標楷體" panose="03000509000000000000" pitchFamily="65" charset="-120"/>
                 <a:ea typeface="標楷體" panose="03000509000000000000" pitchFamily="65" charset="-120"/>
               </a:rPr>
@@ -6960,14 +7319,7 @@
                 <a:latin typeface="標楷體" panose="03000509000000000000" pitchFamily="65" charset="-120"/>
                 <a:ea typeface="標楷體" panose="03000509000000000000" pitchFamily="65" charset="-120"/>
               </a:rPr>
-              <a:t>4</a:t>
-            </a:r>
-            <a:r>
-              <a:rPr lang="en-US" altLang="zh-TW" dirty="0" smtClean="0">
-                <a:latin typeface="標楷體" panose="03000509000000000000" pitchFamily="65" charset="-120"/>
-                <a:ea typeface="標楷體" panose="03000509000000000000" pitchFamily="65" charset="-120"/>
-              </a:rPr>
-              <a:t>-1</a:t>
+              <a:t>4-1</a:t>
             </a:r>
             <a:endParaRPr lang="zh-TW" altLang="en-US" dirty="0">
               <a:latin typeface="標楷體" panose="03000509000000000000" pitchFamily="65" charset="-120"/>
@@ -7051,35 +7403,35 @@
               <a:t>P</a:t>
             </a:r>
             <a:r>
-              <a:rPr lang="zh-TW" altLang="en-US" dirty="0" smtClean="0"/>
+              <a:rPr lang="zh-TW" altLang="en-US" dirty="0"/>
               <a:t> </a:t>
             </a:r>
             <a:r>
-              <a:rPr lang="en-US" altLang="zh-TW" dirty="0" smtClean="0"/>
+              <a:rPr lang="en-US" altLang="zh-TW" dirty="0"/>
               <a:t>=</a:t>
             </a:r>
             <a:r>
-              <a:rPr lang="zh-TW" altLang="en-US" dirty="0" smtClean="0"/>
+              <a:rPr lang="zh-TW" altLang="en-US" dirty="0"/>
               <a:t> </a:t>
             </a:r>
             <a:r>
-              <a:rPr lang="en-US" altLang="zh-TW" dirty="0" smtClean="0"/>
+              <a:rPr lang="en-US" altLang="zh-TW" dirty="0"/>
               <a:t>P1 (</a:t>
             </a:r>
             <a:r>
-              <a:rPr lang="zh-TW" altLang="en-US" dirty="0" smtClean="0"/>
+              <a:rPr lang="zh-TW" altLang="en-US" dirty="0"/>
               <a:t>不含</a:t>
             </a:r>
             <a:r>
-              <a:rPr lang="en-US" altLang="zh-TW" dirty="0" smtClean="0"/>
+              <a:rPr lang="en-US" altLang="zh-TW" dirty="0"/>
               <a:t>A5</a:t>
             </a:r>
             <a:r>
-              <a:rPr lang="zh-TW" altLang="en-US" dirty="0" smtClean="0"/>
+              <a:rPr lang="zh-TW" altLang="en-US" dirty="0"/>
               <a:t>的五倍</a:t>
             </a:r>
             <a:r>
-              <a:rPr lang="en-US" altLang="zh-TW" dirty="0" smtClean="0"/>
+              <a:rPr lang="en-US" altLang="zh-TW" dirty="0"/>
               <a:t>)</a:t>
             </a:r>
             <a:endParaRPr lang="zh-TW" altLang="en-US" dirty="0"/>
@@ -7132,7 +7484,7 @@
           <a:lstStyle/>
           <a:p>
             <a:r>
-              <a:rPr lang="zh-TW" altLang="en-US" dirty="0" smtClean="0">
+              <a:rPr lang="zh-TW" altLang="en-US" dirty="0">
                 <a:latin typeface="標楷體" panose="03000509000000000000" pitchFamily="65" charset="-120"/>
                 <a:ea typeface="標楷體" panose="03000509000000000000" pitchFamily="65" charset="-120"/>
               </a:rPr>
@@ -7143,14 +7495,7 @@
                 <a:latin typeface="標楷體" panose="03000509000000000000" pitchFamily="65" charset="-120"/>
                 <a:ea typeface="標楷體" panose="03000509000000000000" pitchFamily="65" charset="-120"/>
               </a:rPr>
-              <a:t>4</a:t>
-            </a:r>
-            <a:r>
-              <a:rPr lang="en-US" altLang="zh-TW" dirty="0" smtClean="0">
-                <a:latin typeface="標楷體" panose="03000509000000000000" pitchFamily="65" charset="-120"/>
-                <a:ea typeface="標楷體" panose="03000509000000000000" pitchFamily="65" charset="-120"/>
-              </a:rPr>
-              <a:t>-1</a:t>
+              <a:t>4-1</a:t>
             </a:r>
             <a:endParaRPr lang="zh-TW" altLang="en-US" dirty="0">
               <a:latin typeface="標楷體" panose="03000509000000000000" pitchFamily="65" charset="-120"/>
@@ -7229,35 +7574,28 @@
           <a:lstStyle/>
           <a:p>
             <a:r>
-              <a:rPr lang="zh-TW" altLang="en-US" dirty="0" smtClean="0">
+              <a:rPr lang="zh-TW" altLang="en-US" dirty="0">
                 <a:latin typeface="標楷體" panose="03000509000000000000" pitchFamily="65" charset="-120"/>
                 <a:ea typeface="標楷體" panose="03000509000000000000" pitchFamily="65" charset="-120"/>
               </a:rPr>
               <a:t>實驗</a:t>
             </a:r>
             <a:r>
-              <a:rPr lang="en-US" altLang="zh-TW" dirty="0" smtClean="0">
-                <a:latin typeface="標楷體" panose="03000509000000000000" pitchFamily="65" charset="-120"/>
-                <a:ea typeface="標楷體" panose="03000509000000000000" pitchFamily="65" charset="-120"/>
-              </a:rPr>
-              <a:t>4</a:t>
-            </a:r>
-            <a:r>
-              <a:rPr lang="en-US" altLang="zh-TW" dirty="0" smtClean="0">
-                <a:latin typeface="標楷體" panose="03000509000000000000" pitchFamily="65" charset="-120"/>
-                <a:ea typeface="標楷體" panose="03000509000000000000" pitchFamily="65" charset="-120"/>
-              </a:rPr>
-              <a:t>-1(P1=50%</a:t>
-            </a:r>
-            <a:r>
-              <a:rPr lang="zh-TW" altLang="en-US" dirty="0" smtClean="0">
+              <a:rPr lang="en-US" altLang="zh-TW" dirty="0">
+                <a:latin typeface="標楷體" panose="03000509000000000000" pitchFamily="65" charset="-120"/>
+                <a:ea typeface="標楷體" panose="03000509000000000000" pitchFamily="65" charset="-120"/>
+              </a:rPr>
+              <a:t>4-1(P1=50%</a:t>
+            </a:r>
+            <a:r>
+              <a:rPr lang="zh-TW" altLang="en-US" dirty="0">
                 <a:latin typeface="標楷體" panose="03000509000000000000" pitchFamily="65" charset="-120"/>
                 <a:ea typeface="標楷體" panose="03000509000000000000" pitchFamily="65" charset="-120"/>
               </a:rPr>
               <a:t> 模擬</a:t>
             </a:r>
             <a:r>
-              <a:rPr lang="en-US" altLang="zh-TW" dirty="0" smtClean="0">
+              <a:rPr lang="en-US" altLang="zh-TW" dirty="0">
                 <a:latin typeface="標楷體" panose="03000509000000000000" pitchFamily="65" charset="-120"/>
                 <a:ea typeface="標楷體" panose="03000509000000000000" pitchFamily="65" charset="-120"/>
               </a:rPr>
@@ -7430,35 +7768,28 @@
           <a:lstStyle/>
           <a:p>
             <a:r>
-              <a:rPr lang="zh-TW" altLang="en-US" dirty="0" smtClean="0">
+              <a:rPr lang="zh-TW" altLang="en-US" dirty="0">
                 <a:latin typeface="標楷體" panose="03000509000000000000" pitchFamily="65" charset="-120"/>
                 <a:ea typeface="標楷體" panose="03000509000000000000" pitchFamily="65" charset="-120"/>
               </a:rPr>
               <a:t>實驗</a:t>
             </a:r>
             <a:r>
-              <a:rPr lang="en-US" altLang="zh-TW" dirty="0" smtClean="0">
-                <a:latin typeface="標楷體" panose="03000509000000000000" pitchFamily="65" charset="-120"/>
-                <a:ea typeface="標楷體" panose="03000509000000000000" pitchFamily="65" charset="-120"/>
-              </a:rPr>
-              <a:t>4</a:t>
-            </a:r>
-            <a:r>
-              <a:rPr lang="en-US" altLang="zh-TW" dirty="0" smtClean="0">
-                <a:latin typeface="標楷體" panose="03000509000000000000" pitchFamily="65" charset="-120"/>
-                <a:ea typeface="標楷體" panose="03000509000000000000" pitchFamily="65" charset="-120"/>
-              </a:rPr>
-              <a:t>-1(P1=50%</a:t>
-            </a:r>
-            <a:r>
-              <a:rPr lang="zh-TW" altLang="en-US" dirty="0" smtClean="0">
+              <a:rPr lang="en-US" altLang="zh-TW" dirty="0">
+                <a:latin typeface="標楷體" panose="03000509000000000000" pitchFamily="65" charset="-120"/>
+                <a:ea typeface="標楷體" panose="03000509000000000000" pitchFamily="65" charset="-120"/>
+              </a:rPr>
+              <a:t>4-1(P1=50%</a:t>
+            </a:r>
+            <a:r>
+              <a:rPr lang="zh-TW" altLang="en-US" dirty="0">
                 <a:latin typeface="標楷體" panose="03000509000000000000" pitchFamily="65" charset="-120"/>
                 <a:ea typeface="標楷體" panose="03000509000000000000" pitchFamily="65" charset="-120"/>
               </a:rPr>
               <a:t> 驗證</a:t>
             </a:r>
             <a:r>
-              <a:rPr lang="en-US" altLang="zh-TW" dirty="0" smtClean="0">
+              <a:rPr lang="en-US" altLang="zh-TW" dirty="0">
                 <a:latin typeface="標楷體" panose="03000509000000000000" pitchFamily="65" charset="-120"/>
                 <a:ea typeface="標楷體" panose="03000509000000000000" pitchFamily="65" charset="-120"/>
               </a:rPr>
@@ -7571,35 +7902,28 @@
           <a:lstStyle/>
           <a:p>
             <a:r>
-              <a:rPr lang="zh-TW" altLang="en-US" dirty="0" smtClean="0">
+              <a:rPr lang="zh-TW" altLang="en-US" dirty="0">
                 <a:latin typeface="標楷體" panose="03000509000000000000" pitchFamily="65" charset="-120"/>
                 <a:ea typeface="標楷體" panose="03000509000000000000" pitchFamily="65" charset="-120"/>
               </a:rPr>
               <a:t>實驗</a:t>
             </a:r>
             <a:r>
-              <a:rPr lang="en-US" altLang="zh-TW" dirty="0" smtClean="0">
-                <a:latin typeface="標楷體" panose="03000509000000000000" pitchFamily="65" charset="-120"/>
-                <a:ea typeface="標楷體" panose="03000509000000000000" pitchFamily="65" charset="-120"/>
-              </a:rPr>
-              <a:t>4</a:t>
-            </a:r>
-            <a:r>
-              <a:rPr lang="en-US" altLang="zh-TW" dirty="0" smtClean="0">
-                <a:latin typeface="標楷體" panose="03000509000000000000" pitchFamily="65" charset="-120"/>
-                <a:ea typeface="標楷體" panose="03000509000000000000" pitchFamily="65" charset="-120"/>
-              </a:rPr>
-              <a:t>-1(P1=100%</a:t>
-            </a:r>
-            <a:r>
-              <a:rPr lang="zh-TW" altLang="en-US" dirty="0" smtClean="0">
+              <a:rPr lang="en-US" altLang="zh-TW" dirty="0">
+                <a:latin typeface="標楷體" panose="03000509000000000000" pitchFamily="65" charset="-120"/>
+                <a:ea typeface="標楷體" panose="03000509000000000000" pitchFamily="65" charset="-120"/>
+              </a:rPr>
+              <a:t>4-1(P1=100%</a:t>
+            </a:r>
+            <a:r>
+              <a:rPr lang="zh-TW" altLang="en-US" dirty="0">
                 <a:latin typeface="標楷體" panose="03000509000000000000" pitchFamily="65" charset="-120"/>
                 <a:ea typeface="標楷體" panose="03000509000000000000" pitchFamily="65" charset="-120"/>
               </a:rPr>
               <a:t> 模擬</a:t>
             </a:r>
             <a:r>
-              <a:rPr lang="en-US" altLang="zh-TW" dirty="0" smtClean="0">
+              <a:rPr lang="en-US" altLang="zh-TW" dirty="0">
                 <a:latin typeface="標楷體" panose="03000509000000000000" pitchFamily="65" charset="-120"/>
                 <a:ea typeface="標楷體" panose="03000509000000000000" pitchFamily="65" charset="-120"/>
               </a:rPr>
@@ -7771,35 +8095,28 @@
           <a:lstStyle/>
           <a:p>
             <a:r>
-              <a:rPr lang="zh-TW" altLang="en-US" dirty="0" smtClean="0">
+              <a:rPr lang="zh-TW" altLang="en-US" dirty="0">
                 <a:latin typeface="標楷體" panose="03000509000000000000" pitchFamily="65" charset="-120"/>
                 <a:ea typeface="標楷體" panose="03000509000000000000" pitchFamily="65" charset="-120"/>
               </a:rPr>
               <a:t>實驗</a:t>
             </a:r>
             <a:r>
-              <a:rPr lang="en-US" altLang="zh-TW" dirty="0" smtClean="0">
-                <a:latin typeface="標楷體" panose="03000509000000000000" pitchFamily="65" charset="-120"/>
-                <a:ea typeface="標楷體" panose="03000509000000000000" pitchFamily="65" charset="-120"/>
-              </a:rPr>
-              <a:t>4</a:t>
-            </a:r>
-            <a:r>
-              <a:rPr lang="en-US" altLang="zh-TW" dirty="0" smtClean="0">
-                <a:latin typeface="標楷體" panose="03000509000000000000" pitchFamily="65" charset="-120"/>
-                <a:ea typeface="標楷體" panose="03000509000000000000" pitchFamily="65" charset="-120"/>
-              </a:rPr>
-              <a:t>-1(P1=100%</a:t>
-            </a:r>
-            <a:r>
-              <a:rPr lang="zh-TW" altLang="en-US" dirty="0" smtClean="0">
+              <a:rPr lang="en-US" altLang="zh-TW" dirty="0">
+                <a:latin typeface="標楷體" panose="03000509000000000000" pitchFamily="65" charset="-120"/>
+                <a:ea typeface="標楷體" panose="03000509000000000000" pitchFamily="65" charset="-120"/>
+              </a:rPr>
+              <a:t>4-1(P1=100%</a:t>
+            </a:r>
+            <a:r>
+              <a:rPr lang="zh-TW" altLang="en-US" dirty="0">
                 <a:latin typeface="標楷體" panose="03000509000000000000" pitchFamily="65" charset="-120"/>
                 <a:ea typeface="標楷體" panose="03000509000000000000" pitchFamily="65" charset="-120"/>
               </a:rPr>
               <a:t> 驗證</a:t>
             </a:r>
             <a:r>
-              <a:rPr lang="en-US" altLang="zh-TW" dirty="0" smtClean="0">
+              <a:rPr lang="en-US" altLang="zh-TW" dirty="0">
                 <a:latin typeface="標楷體" panose="03000509000000000000" pitchFamily="65" charset="-120"/>
                 <a:ea typeface="標楷體" panose="03000509000000000000" pitchFamily="65" charset="-120"/>
               </a:rPr>
@@ -7912,25 +8229,18 @@
           <a:lstStyle/>
           <a:p>
             <a:r>
-              <a:rPr lang="zh-TW" altLang="en-US" dirty="0" smtClean="0">
+              <a:rPr lang="zh-TW" altLang="en-US" dirty="0">
                 <a:latin typeface="標楷體" panose="03000509000000000000" pitchFamily="65" charset="-120"/>
                 <a:ea typeface="標楷體" panose="03000509000000000000" pitchFamily="65" charset="-120"/>
               </a:rPr>
               <a:t>實驗</a:t>
             </a:r>
             <a:r>
-              <a:rPr lang="en-US" altLang="zh-TW" dirty="0" smtClean="0">
-                <a:latin typeface="標楷體" panose="03000509000000000000" pitchFamily="65" charset="-120"/>
-                <a:ea typeface="標楷體" panose="03000509000000000000" pitchFamily="65" charset="-120"/>
-              </a:rPr>
-              <a:t>4</a:t>
-            </a:r>
-            <a:r>
-              <a:rPr lang="en-US" altLang="zh-TW" dirty="0" smtClean="0">
-                <a:latin typeface="標楷體" panose="03000509000000000000" pitchFamily="65" charset="-120"/>
-                <a:ea typeface="標楷體" panose="03000509000000000000" pitchFamily="65" charset="-120"/>
-              </a:rPr>
-              <a:t>-2</a:t>
+              <a:rPr lang="en-US" altLang="zh-TW" dirty="0">
+                <a:latin typeface="標楷體" panose="03000509000000000000" pitchFamily="65" charset="-120"/>
+                <a:ea typeface="標楷體" panose="03000509000000000000" pitchFamily="65" charset="-120"/>
+              </a:rPr>
+              <a:t>4-2</a:t>
             </a:r>
             <a:endParaRPr lang="zh-TW" altLang="en-US" dirty="0">
               <a:latin typeface="標楷體" panose="03000509000000000000" pitchFamily="65" charset="-120"/>
@@ -8014,36 +8324,28 @@
               <a:t>P</a:t>
             </a:r>
             <a:r>
-              <a:rPr lang="zh-TW" altLang="en-US" dirty="0" smtClean="0"/>
+              <a:rPr lang="zh-TW" altLang="en-US" dirty="0"/>
               <a:t> </a:t>
             </a:r>
             <a:r>
-              <a:rPr lang="en-US" altLang="zh-TW" dirty="0" smtClean="0"/>
+              <a:rPr lang="en-US" altLang="zh-TW" dirty="0"/>
               <a:t>=</a:t>
             </a:r>
             <a:r>
-              <a:rPr lang="zh-TW" altLang="en-US" dirty="0" smtClean="0"/>
+              <a:rPr lang="zh-TW" altLang="en-US" dirty="0"/>
               <a:t> </a:t>
             </a:r>
             <a:r>
               <a:rPr lang="en-US" altLang="zh-TW" dirty="0"/>
-              <a:t>1</a:t>
-            </a:r>
-            <a:r>
-              <a:rPr lang="en-US" altLang="zh-TW" dirty="0" smtClean="0"/>
-              <a:t> </a:t>
-            </a:r>
-            <a:r>
-              <a:rPr lang="zh-TW" altLang="en-US" dirty="0" smtClean="0"/>
+              <a:t>1 </a:t>
+            </a:r>
+            <a:r>
+              <a:rPr lang="zh-TW" altLang="en-US" dirty="0"/>
               <a:t>，</a:t>
             </a:r>
             <a:r>
-              <a:rPr lang="en-US" altLang="zh-TW" dirty="0" smtClean="0"/>
-              <a:t>I = P5 * 1/0.8</a:t>
-            </a:r>
-            <a:r>
               <a:rPr lang="en-US" altLang="zh-TW" dirty="0"/>
-              <a:t>(</a:t>
+              <a:t>I = P5 * 1/0.8(</a:t>
             </a:r>
             <a:r>
               <a:rPr lang="zh-TW" altLang="en-US" dirty="0"/>
@@ -8058,7 +8360,7 @@
               <a:t>的五倍</a:t>
             </a:r>
             <a:r>
-              <a:rPr lang="en-US" altLang="zh-TW" dirty="0" smtClean="0"/>
+              <a:rPr lang="en-US" altLang="zh-TW" dirty="0"/>
               <a:t>)</a:t>
             </a:r>
             <a:endParaRPr lang="zh-TW" altLang="en-US" dirty="0"/>
